--- a/images/project_SAD/recommendations.pptx
+++ b/images/project_SAD/recommendations.pptx
@@ -6036,7 +6036,7 @@
           <p:nvPr>
             <p:extLst>
               <p:ext uri="{D42A27DB-BD31-4B8C-83A1-F6EECF244321}">
-                <p14:modId xmlns:p14="http://schemas.microsoft.com/office/powerpoint/2010/main" val="282531517"/>
+                <p14:modId xmlns:p14="http://schemas.microsoft.com/office/powerpoint/2010/main" val="3893833421"/>
               </p:ext>
             </p:extLst>
           </p:nvPr>
